--- a/presentation  for demo.pptx
+++ b/presentation  for demo.pptx
@@ -1430,7 +1430,13 @@
               <a:rPr b="0" lang="en-US" sz="4400" spc="-1" strike="noStrike">
                 <a:latin typeface="Arial"/>
               </a:rPr>
-              <a:t>Click to edit the title text format</a:t>
+              <a:t>Click to edit the title text </a:t>
+            </a:r>
+            <a:r>
+              <a:rPr b="0" lang="en-US" sz="4400" spc="-1" strike="noStrike">
+                <a:latin typeface="Arial"/>
+              </a:rPr>
+              <a:t>format</a:t>
             </a:r>
             <a:endParaRPr b="0" lang="en-US" sz="4400" spc="-1" strike="noStrike">
               <a:latin typeface="Arial"/>
@@ -1673,8 +1679,8 @@
         </p:blipFill>
         <p:spPr>
           <a:xfrm rot="10800000">
-            <a:off x="-2801880" y="4424040"/>
-            <a:ext cx="7628400" cy="7628400"/>
+            <a:off x="-2801160" y="4424040"/>
+            <a:ext cx="7628040" cy="7628040"/>
           </a:xfrm>
           <a:prstGeom prst="rect">
             <a:avLst/>
@@ -1696,8 +1702,8 @@
         </p:blipFill>
         <p:spPr>
           <a:xfrm rot="13220400">
-            <a:off x="14381280" y="-2376000"/>
-            <a:ext cx="6817680" cy="6817680"/>
+            <a:off x="14381280" y="-2375280"/>
+            <a:ext cx="6817320" cy="6817320"/>
           </a:xfrm>
           <a:prstGeom prst="rect">
             <a:avLst/>
@@ -1716,7 +1722,7 @@
         <p:spPr>
           <a:xfrm>
             <a:off x="6312960" y="0"/>
-            <a:ext cx="10943280" cy="8609760"/>
+            <a:ext cx="10942920" cy="8609400"/>
           </a:xfrm>
           <a:prstGeom prst="rect">
             <a:avLst/>
@@ -1749,7 +1755,7 @@
         <p:spPr>
           <a:xfrm>
             <a:off x="6578280" y="-140400"/>
-            <a:ext cx="10389240" cy="8470800"/>
+            <a:ext cx="10388880" cy="8470440"/>
           </a:xfrm>
           <a:prstGeom prst="rect">
             <a:avLst/>
@@ -1768,9 +1774,9 @@
         <p:grpSpPr>
           <a:xfrm>
             <a:off x="1373040" y="1555200"/>
-            <a:ext cx="8807400" cy="5250600"/>
+            <a:ext cx="8807040" cy="5250600"/>
             <a:chOff x="1373040" y="1555200"/>
-            <a:chExt cx="8807400" cy="5250600"/>
+            <a:chExt cx="8807040" cy="5250600"/>
           </a:xfrm>
         </p:grpSpPr>
         <p:sp>
@@ -1782,7 +1788,7 @@
           <p:spPr>
             <a:xfrm>
               <a:off x="1373040" y="1555200"/>
-              <a:ext cx="8807400" cy="3982680"/>
+              <a:ext cx="8807040" cy="3982680"/>
             </a:xfrm>
             <a:prstGeom prst="rect">
               <a:avLst/>
@@ -1833,7 +1839,7 @@
           <p:spPr>
             <a:xfrm>
               <a:off x="1373040" y="6249600"/>
-              <a:ext cx="8807400" cy="556200"/>
+              <a:ext cx="8807040" cy="556200"/>
             </a:xfrm>
             <a:prstGeom prst="rect">
               <a:avLst/>
@@ -1925,8 +1931,8 @@
         </p:blipFill>
         <p:spPr>
           <a:xfrm rot="5400000">
-            <a:off x="12636000" y="6096960"/>
-            <a:ext cx="7628400" cy="7628400"/>
+            <a:off x="12636360" y="6096960"/>
+            <a:ext cx="7628040" cy="7628040"/>
           </a:xfrm>
           <a:prstGeom prst="rect">
             <a:avLst/>
@@ -1945,7 +1951,7 @@
         <p:spPr>
           <a:xfrm>
             <a:off x="10212480" y="1028880"/>
-            <a:ext cx="8072280" cy="5745240"/>
+            <a:ext cx="8071920" cy="5744880"/>
           </a:xfrm>
           <a:prstGeom prst="rect">
             <a:avLst/>
@@ -1978,7 +1984,7 @@
         <p:spPr>
           <a:xfrm>
             <a:off x="10451160" y="1278000"/>
-            <a:ext cx="7833600" cy="5246280"/>
+            <a:ext cx="7833240" cy="5245920"/>
           </a:xfrm>
           <a:prstGeom prst="rect">
             <a:avLst/>
@@ -1997,9 +2003,9 @@
         <p:grpSpPr>
           <a:xfrm>
             <a:off x="1176840" y="4663440"/>
-            <a:ext cx="7599960" cy="1848600"/>
+            <a:ext cx="7599600" cy="1848600"/>
             <a:chOff x="1176840" y="4663440"/>
-            <a:chExt cx="7599960" cy="1848600"/>
+            <a:chExt cx="7599600" cy="1848600"/>
           </a:xfrm>
         </p:grpSpPr>
         <p:sp>
@@ -2011,7 +2017,7 @@
           <p:spPr>
             <a:xfrm>
               <a:off x="1179720" y="4663440"/>
-              <a:ext cx="7597080" cy="1848600"/>
+              <a:ext cx="7596720" cy="1848600"/>
             </a:xfrm>
             <a:prstGeom prst="rect">
               <a:avLst/>
@@ -2062,7 +2068,7 @@
           <p:spPr>
             <a:xfrm>
               <a:off x="1176840" y="4870800"/>
-              <a:ext cx="7597080" cy="96120"/>
+              <a:ext cx="7596720" cy="95760"/>
             </a:xfrm>
             <a:prstGeom prst="rect">
               <a:avLst/>
@@ -2089,7 +2095,7 @@
         <p:spPr>
           <a:xfrm>
             <a:off x="15196320" y="7659360"/>
-            <a:ext cx="2059560" cy="1562040"/>
+            <a:ext cx="2059200" cy="1561680"/>
           </a:xfrm>
           <a:prstGeom prst="rect">
             <a:avLst/>
@@ -2115,7 +2121,7 @@
         <p:spPr>
           <a:xfrm>
             <a:off x="1028880" y="8326440"/>
-            <a:ext cx="7405560" cy="474120"/>
+            <a:ext cx="7405200" cy="473760"/>
           </a:xfrm>
           <a:prstGeom prst="rect">
             <a:avLst/>
@@ -2144,8 +2150,8 @@
         </p:blipFill>
         <p:spPr>
           <a:xfrm rot="16200000">
-            <a:off x="-2467080" y="-1917000"/>
-            <a:ext cx="6817680" cy="6817680"/>
+            <a:off x="-2466720" y="-1916280"/>
+            <a:ext cx="6817320" cy="6817320"/>
           </a:xfrm>
           <a:prstGeom prst="rect">
             <a:avLst/>
@@ -2204,8 +2210,8 @@
         </p:blipFill>
         <p:spPr>
           <a:xfrm rot="16200000">
-            <a:off x="-1463400" y="-2481480"/>
-            <a:ext cx="7628400" cy="7628400"/>
+            <a:off x="-1463040" y="-2480760"/>
+            <a:ext cx="7628040" cy="7628040"/>
           </a:xfrm>
           <a:prstGeom prst="rect">
             <a:avLst/>
@@ -2227,8 +2233,8 @@
         </p:blipFill>
         <p:spPr>
           <a:xfrm rot="16200000">
-            <a:off x="5733360" y="-3403800"/>
-            <a:ext cx="6817680" cy="6817680"/>
+            <a:off x="5733360" y="-3403080"/>
+            <a:ext cx="6817320" cy="6817320"/>
           </a:xfrm>
           <a:prstGeom prst="rect">
             <a:avLst/>
@@ -2250,8 +2256,8 @@
         </p:blipFill>
         <p:spPr>
           <a:xfrm rot="16200000">
-            <a:off x="-1664280" y="5345280"/>
-            <a:ext cx="7829280" cy="7829280"/>
+            <a:off x="-1663920" y="5345640"/>
+            <a:ext cx="7828920" cy="7828920"/>
           </a:xfrm>
           <a:prstGeom prst="rect">
             <a:avLst/>
@@ -2270,7 +2276,7 @@
         <p:spPr>
           <a:xfrm>
             <a:off x="1028880" y="1028880"/>
-            <a:ext cx="10369080" cy="8226360"/>
+            <a:ext cx="10368720" cy="8226000"/>
           </a:xfrm>
           <a:prstGeom prst="rect">
             <a:avLst/>
@@ -2303,7 +2309,7 @@
         <p:spPr>
           <a:xfrm>
             <a:off x="1270800" y="1280880"/>
-            <a:ext cx="9884880" cy="7722360"/>
+            <a:ext cx="9884520" cy="7722000"/>
           </a:xfrm>
           <a:prstGeom prst="rect">
             <a:avLst/>
@@ -2322,7 +2328,7 @@
         <p:spPr>
           <a:xfrm>
             <a:off x="11704320" y="3566160"/>
-            <a:ext cx="5789160" cy="2773080"/>
+            <a:ext cx="5788800" cy="2773080"/>
           </a:xfrm>
           <a:prstGeom prst="rect">
             <a:avLst/>
@@ -2423,7 +2429,7 @@
         <p:spPr>
           <a:xfrm>
             <a:off x="12747240" y="7860600"/>
-            <a:ext cx="4509000" cy="949680"/>
+            <a:ext cx="4508640" cy="949320"/>
           </a:xfrm>
           <a:prstGeom prst="rect">
             <a:avLst/>
@@ -2477,53 +2483,30 @@
           <a:chExt cx="0" cy="0"/>
         </a:xfrm>
       </p:grpSpPr>
-      <p:pic>
-        <p:nvPicPr>
-          <p:cNvPr id="52" name="Picture 2" descr=""/>
-          <p:cNvPicPr/>
-          <p:nvPr/>
-        </p:nvPicPr>
-        <p:blipFill>
-          <a:blip r:embed="rId1"/>
-          <a:stretch/>
-        </p:blipFill>
-        <p:spPr>
-          <a:xfrm rot="10800000">
-            <a:off x="12529800" y="-4793760"/>
-            <a:ext cx="7628400" cy="7628400"/>
-          </a:xfrm>
-          <a:prstGeom prst="rect">
-            <a:avLst/>
-          </a:prstGeom>
-          <a:ln>
-            <a:noFill/>
-          </a:ln>
-        </p:spPr>
-      </p:pic>
       <p:grpSp>
         <p:nvGrpSpPr>
-          <p:cNvPr id="53" name="Group 1"/>
+          <p:cNvPr id="52" name="Group 1"/>
           <p:cNvGrpSpPr/>
           <p:nvPr/>
         </p:nvGrpSpPr>
         <p:grpSpPr>
           <a:xfrm>
             <a:off x="2468880" y="796680"/>
-            <a:ext cx="14719320" cy="7707240"/>
+            <a:ext cx="14718960" cy="7707240"/>
             <a:chOff x="2468880" y="796680"/>
-            <a:chExt cx="14719320" cy="7707240"/>
+            <a:chExt cx="14718960" cy="7707240"/>
           </a:xfrm>
         </p:grpSpPr>
         <p:sp>
           <p:nvSpPr>
-            <p:cNvPr id="54" name="CustomShape 2"/>
+            <p:cNvPr id="53" name="CustomShape 2"/>
             <p:cNvSpPr/>
             <p:nvPr/>
           </p:nvSpPr>
           <p:spPr>
             <a:xfrm>
               <a:off x="2468880" y="796680"/>
-              <a:ext cx="14255640" cy="924120"/>
+              <a:ext cx="14255280" cy="924120"/>
             </a:xfrm>
             <a:prstGeom prst="rect">
               <a:avLst/>
@@ -2567,14 +2550,14 @@
         </p:sp>
         <p:sp>
           <p:nvSpPr>
-            <p:cNvPr id="55" name="CustomShape 3"/>
+            <p:cNvPr id="54" name="CustomShape 3"/>
             <p:cNvSpPr/>
             <p:nvPr/>
           </p:nvSpPr>
           <p:spPr>
             <a:xfrm>
               <a:off x="2932560" y="2312640"/>
-              <a:ext cx="14255640" cy="6191280"/>
+              <a:ext cx="14255280" cy="6191280"/>
             </a:xfrm>
             <a:prstGeom prst="rect">
               <a:avLst/>
@@ -2839,7 +2822,30 @@
       </p:grpSp>
       <p:pic>
         <p:nvPicPr>
-          <p:cNvPr id="56" name="Picture 3" descr=""/>
+          <p:cNvPr id="55" name="Picture 8" descr=""/>
+          <p:cNvPicPr/>
+          <p:nvPr/>
+        </p:nvPicPr>
+        <p:blipFill>
+          <a:blip r:embed="rId1"/>
+          <a:stretch/>
+        </p:blipFill>
+        <p:spPr>
+          <a:xfrm rot="21132000">
+            <a:off x="12943080" y="-2240280"/>
+            <a:ext cx="7628040" cy="7628040"/>
+          </a:xfrm>
+          <a:prstGeom prst="rect">
+            <a:avLst/>
+          </a:prstGeom>
+          <a:ln>
+            <a:noFill/>
+          </a:ln>
+        </p:spPr>
+      </p:pic>
+      <p:pic>
+        <p:nvPicPr>
+          <p:cNvPr id="56" name="Picture 2" descr=""/>
           <p:cNvPicPr/>
           <p:nvPr/>
         </p:nvPicPr>
@@ -2848,9 +2854,9 @@
           <a:stretch/>
         </p:blipFill>
         <p:spPr>
-          <a:xfrm rot="10800000">
-            <a:off x="-2801880" y="4424400"/>
-            <a:ext cx="7628400" cy="7628400"/>
+          <a:xfrm rot="10589400">
+            <a:off x="-2458440" y="4388760"/>
+            <a:ext cx="7628040" cy="7628040"/>
           </a:xfrm>
           <a:prstGeom prst="rect">
             <a:avLst/>
@@ -2909,8 +2915,8 @@
         </p:blipFill>
         <p:spPr>
           <a:xfrm rot="10589400">
-            <a:off x="-2183760" y="4213440"/>
-            <a:ext cx="7628400" cy="7628400"/>
+            <a:off x="-2183040" y="4213440"/>
+            <a:ext cx="7628040" cy="7628040"/>
           </a:xfrm>
           <a:prstGeom prst="rect">
             <a:avLst/>
@@ -2929,7 +2935,7 @@
         <p:spPr>
           <a:xfrm>
             <a:off x="2320920" y="1097280"/>
-            <a:ext cx="7644600" cy="1848600"/>
+            <a:ext cx="7644240" cy="1848600"/>
           </a:xfrm>
           <a:prstGeom prst="rect">
             <a:avLst/>
@@ -2980,9 +2986,9 @@
         <p:grpSpPr>
           <a:xfrm>
             <a:off x="4206240" y="3566160"/>
-            <a:ext cx="12636720" cy="4777200"/>
+            <a:ext cx="12636360" cy="4777200"/>
             <a:chOff x="4206240" y="3566160"/>
-            <a:chExt cx="12636720" cy="4777200"/>
+            <a:chExt cx="12636360" cy="4777200"/>
           </a:xfrm>
         </p:grpSpPr>
         <p:sp>
@@ -2994,7 +3000,7 @@
           <p:spPr>
             <a:xfrm>
               <a:off x="4206240" y="5500800"/>
-              <a:ext cx="12636720" cy="474480"/>
+              <a:ext cx="12636360" cy="474120"/>
             </a:xfrm>
             <a:prstGeom prst="rect">
               <a:avLst/>
@@ -3020,7 +3026,7 @@
           <p:spPr>
             <a:xfrm>
               <a:off x="4206240" y="4533480"/>
-              <a:ext cx="12636720" cy="3809880"/>
+              <a:ext cx="12636360" cy="3809880"/>
             </a:xfrm>
             <a:prstGeom prst="rect">
               <a:avLst/>
@@ -3084,7 +3090,7 @@
                   <a:latin typeface="Kollektif"/>
                   <a:ea typeface="DejaVu Sans"/>
                 </a:rPr>
-                <a:t>2. Implementing a business application layer</a:t>
+                <a:t>2. Implementation of the business layer of the application</a:t>
               </a:r>
               <a:endParaRPr b="0" lang="en-US" sz="3200" spc="-1" strike="noStrike">
                 <a:latin typeface="Arial"/>
@@ -3114,7 +3120,17 @@
                   <a:latin typeface="Kollektif"/>
                   <a:ea typeface="DejaVu Sans"/>
                 </a:rPr>
-                <a:t>3. Implementation of the client part of the application</a:t>
+                <a:t>3. Implementation</a:t>
+              </a:r>
+              <a:r>
+                <a:rPr b="0" lang="en-US" sz="3200" spc="-1" strike="noStrike">
+                  <a:solidFill>
+                    <a:srgbClr val="4054bb"/>
+                  </a:solidFill>
+                  <a:latin typeface="Kollektif"/>
+                  <a:ea typeface="DejaVu Sans"/>
+                </a:rPr>
+                <a:t> of the client part of the application</a:t>
               </a:r>
               <a:endParaRPr b="0" lang="en-US" sz="3200" spc="-1" strike="noStrike">
                 <a:latin typeface="Arial"/>
@@ -3171,7 +3187,7 @@
           <p:spPr>
             <a:xfrm>
               <a:off x="4206240" y="3566160"/>
-              <a:ext cx="12636720" cy="474480"/>
+              <a:ext cx="12636360" cy="474120"/>
             </a:xfrm>
             <a:prstGeom prst="rect">
               <a:avLst/>
@@ -3201,8 +3217,8 @@
         </p:blipFill>
         <p:spPr>
           <a:xfrm rot="21132000">
-            <a:off x="12943080" y="-2241000"/>
-            <a:ext cx="7628400" cy="7628400"/>
+            <a:off x="12942720" y="-2240640"/>
+            <a:ext cx="7628040" cy="7628040"/>
           </a:xfrm>
           <a:prstGeom prst="rect">
             <a:avLst/>
@@ -3261,8 +3277,8 @@
         </p:blipFill>
         <p:spPr>
           <a:xfrm rot="10800000">
-            <a:off x="-2801880" y="4424040"/>
-            <a:ext cx="7628400" cy="7628400"/>
+            <a:off x="-2801160" y="4424040"/>
+            <a:ext cx="7628040" cy="7628040"/>
           </a:xfrm>
           <a:prstGeom prst="rect">
             <a:avLst/>
@@ -3281,7 +3297,7 @@
         <p:spPr>
           <a:xfrm>
             <a:off x="1390320" y="1454400"/>
-            <a:ext cx="8428320" cy="7800840"/>
+            <a:ext cx="8427960" cy="7800480"/>
           </a:xfrm>
           <a:prstGeom prst="rect">
             <a:avLst/>
@@ -3314,7 +3330,7 @@
         <p:spPr>
           <a:xfrm>
             <a:off x="1659960" y="1755360"/>
-            <a:ext cx="7889040" cy="7198920"/>
+            <a:ext cx="7888680" cy="7198560"/>
           </a:xfrm>
           <a:prstGeom prst="rect">
             <a:avLst/>
@@ -3333,9 +3349,9 @@
         <p:grpSpPr>
           <a:xfrm>
             <a:off x="10972800" y="1554480"/>
-            <a:ext cx="5940720" cy="6489720"/>
+            <a:ext cx="5940360" cy="6489360"/>
             <a:chOff x="10972800" y="1554480"/>
-            <a:chExt cx="5940720" cy="6489720"/>
+            <a:chExt cx="5940360" cy="6489360"/>
           </a:xfrm>
         </p:grpSpPr>
         <p:sp>
@@ -3347,7 +3363,7 @@
           <p:spPr>
             <a:xfrm>
               <a:off x="11051280" y="1554480"/>
-              <a:ext cx="5862240" cy="924120"/>
+              <a:ext cx="5861880" cy="924120"/>
             </a:xfrm>
             <a:prstGeom prst="rect">
               <a:avLst/>
@@ -3398,7 +3414,7 @@
           <p:spPr>
             <a:xfrm>
               <a:off x="10972800" y="3800880"/>
-              <a:ext cx="5862240" cy="4243320"/>
+              <a:ext cx="5861880" cy="4242960"/>
             </a:xfrm>
             <a:prstGeom prst="rect">
               <a:avLst/>
@@ -3425,7 +3441,7 @@
         <p:spPr>
           <a:xfrm>
             <a:off x="14630040" y="1530720"/>
-            <a:ext cx="2626200" cy="1562040"/>
+            <a:ext cx="2625840" cy="1561680"/>
           </a:xfrm>
           <a:prstGeom prst="rect">
             <a:avLst/>
@@ -3451,7 +3467,7 @@
         <p:spPr>
           <a:xfrm>
             <a:off x="7667640" y="808560"/>
-            <a:ext cx="6137280" cy="2771280"/>
+            <a:ext cx="6136920" cy="2770920"/>
           </a:xfrm>
           <a:prstGeom prst="rect">
             <a:avLst/>
@@ -3477,7 +3493,7 @@
         <p:spPr>
           <a:xfrm>
             <a:off x="7667640" y="7136640"/>
-            <a:ext cx="6137280" cy="2379240"/>
+            <a:ext cx="6136920" cy="2378880"/>
           </a:xfrm>
           <a:prstGeom prst="rect">
             <a:avLst/>
@@ -3503,7 +3519,7 @@
         <p:spPr>
           <a:xfrm>
             <a:off x="7667640" y="808560"/>
-            <a:ext cx="3061080" cy="2771280"/>
+            <a:ext cx="3060720" cy="2770920"/>
           </a:xfrm>
           <a:prstGeom prst="rect">
             <a:avLst/>
@@ -3529,7 +3545,7 @@
         <p:spPr>
           <a:xfrm>
             <a:off x="7667640" y="7136640"/>
-            <a:ext cx="3061080" cy="2379240"/>
+            <a:ext cx="3060720" cy="2378880"/>
           </a:xfrm>
           <a:prstGeom prst="rect">
             <a:avLst/>
@@ -3555,7 +3571,7 @@
         <p:spPr>
           <a:xfrm>
             <a:off x="11247120" y="2883240"/>
-            <a:ext cx="6215400" cy="6715440"/>
+            <a:ext cx="6215040" cy="6715080"/>
           </a:xfrm>
           <a:prstGeom prst="rect">
             <a:avLst/>
@@ -3893,7 +3909,7 @@
         <p:spPr>
           <a:xfrm>
             <a:off x="1028880" y="1066680"/>
-            <a:ext cx="3060720" cy="2770920"/>
+            <a:ext cx="3060360" cy="2770560"/>
           </a:xfrm>
           <a:prstGeom prst="rect">
             <a:avLst/>
@@ -3919,7 +3935,7 @@
         <p:spPr>
           <a:xfrm>
             <a:off x="1028880" y="7394760"/>
-            <a:ext cx="3060720" cy="2378880"/>
+            <a:ext cx="3060360" cy="2378520"/>
           </a:xfrm>
           <a:prstGeom prst="rect">
             <a:avLst/>
@@ -3949,7 +3965,7 @@
         <p:spPr>
           <a:xfrm>
             <a:off x="0" y="2834640"/>
-            <a:ext cx="18285840" cy="7450200"/>
+            <a:ext cx="18285480" cy="7449840"/>
           </a:xfrm>
           <a:prstGeom prst="rect">
             <a:avLst/>
@@ -3968,7 +3984,7 @@
         <p:spPr>
           <a:xfrm>
             <a:off x="0" y="457200"/>
-            <a:ext cx="18285840" cy="2011320"/>
+            <a:ext cx="18285480" cy="2010960"/>
           </a:xfrm>
           <a:prstGeom prst="rect">
             <a:avLst/>
@@ -4056,7 +4072,7 @@
         <p:spPr>
           <a:xfrm>
             <a:off x="1028880" y="1066680"/>
-            <a:ext cx="3060720" cy="2770920"/>
+            <a:ext cx="3060360" cy="2770560"/>
           </a:xfrm>
           <a:prstGeom prst="rect">
             <a:avLst/>
@@ -4082,7 +4098,7 @@
         <p:spPr>
           <a:xfrm>
             <a:off x="1028880" y="7394760"/>
-            <a:ext cx="3060720" cy="2378880"/>
+            <a:ext cx="3060360" cy="2378520"/>
           </a:xfrm>
           <a:prstGeom prst="rect">
             <a:avLst/>
@@ -4108,7 +4124,7 @@
         <p:spPr>
           <a:xfrm>
             <a:off x="0" y="457200"/>
-            <a:ext cx="18285840" cy="2011320"/>
+            <a:ext cx="18285480" cy="2010960"/>
           </a:xfrm>
           <a:prstGeom prst="rect">
             <a:avLst/>
@@ -4138,7 +4154,7 @@
         <p:spPr>
           <a:xfrm>
             <a:off x="0" y="684360"/>
-            <a:ext cx="18288000" cy="9648360"/>
+            <a:ext cx="18287640" cy="9648000"/>
           </a:xfrm>
           <a:prstGeom prst="rect">
             <a:avLst/>
@@ -4150,14 +4166,14 @@
       </p:pic>
       <p:sp>
         <p:nvSpPr>
-          <p:cNvPr id="84" name="TextShape 4"/>
-          <p:cNvSpPr txBox="1"/>
+          <p:cNvPr id="84" name="CustomShape 4"/>
+          <p:cNvSpPr/>
           <p:nvPr/>
         </p:nvSpPr>
         <p:spPr>
           <a:xfrm>
             <a:off x="-25200" y="-53640"/>
-            <a:ext cx="18288000" cy="2975040"/>
+            <a:ext cx="18287640" cy="2974680"/>
           </a:xfrm>
           <a:prstGeom prst="rect">
             <a:avLst/>
@@ -4167,12 +4183,22 @@
             <a:noFill/>
           </a:ln>
         </p:spPr>
+        <p:style>
+          <a:lnRef idx="0"/>
+          <a:fillRef idx="0"/>
+          <a:effectRef idx="0"/>
+          <a:fontRef idx="minor"/>
+        </p:style>
         <p:txBody>
           <a:bodyPr lIns="90000" rIns="90000" tIns="45000" bIns="45000">
             <a:noAutofit/>
           </a:bodyPr>
           <a:p>
-            <a:pPr algn="ctr"/>
+            <a:pPr algn="ctr">
+              <a:lnSpc>
+                <a:spcPct val="100000"/>
+              </a:lnSpc>
+            </a:pPr>
             <a:r>
               <a:rPr b="0" lang="en-US" sz="4800" spc="-1" strike="noStrike">
                 <a:solidFill>
@@ -4235,7 +4261,7 @@
         <p:spPr>
           <a:xfrm>
             <a:off x="1028880" y="1066680"/>
-            <a:ext cx="3060720" cy="2770920"/>
+            <a:ext cx="3060360" cy="2770560"/>
           </a:xfrm>
           <a:prstGeom prst="rect">
             <a:avLst/>
@@ -4261,7 +4287,7 @@
         <p:spPr>
           <a:xfrm>
             <a:off x="1028880" y="7394760"/>
-            <a:ext cx="3060720" cy="2378880"/>
+            <a:ext cx="3060360" cy="2378520"/>
           </a:xfrm>
           <a:prstGeom prst="rect">
             <a:avLst/>
@@ -4287,7 +4313,7 @@
         <p:spPr>
           <a:xfrm>
             <a:off x="-182880" y="-91440"/>
-            <a:ext cx="18285840" cy="1828800"/>
+            <a:ext cx="18285480" cy="1828440"/>
           </a:xfrm>
           <a:prstGeom prst="rect">
             <a:avLst/>
@@ -4342,7 +4368,7 @@
         <p:spPr>
           <a:xfrm>
             <a:off x="0" y="638640"/>
-            <a:ext cx="18288000" cy="9648360"/>
+            <a:ext cx="18287640" cy="9648000"/>
           </a:xfrm>
           <a:prstGeom prst="rect">
             <a:avLst/>
@@ -4402,7 +4428,7 @@
         <p:spPr>
           <a:xfrm>
             <a:off x="0" y="2581560"/>
-            <a:ext cx="18285840" cy="7703280"/>
+            <a:ext cx="18285480" cy="7702920"/>
           </a:xfrm>
           <a:prstGeom prst="rect">
             <a:avLst/>
@@ -4421,7 +4447,7 @@
         <p:spPr>
           <a:xfrm>
             <a:off x="0" y="821160"/>
-            <a:ext cx="18285840" cy="2011320"/>
+            <a:ext cx="18285480" cy="2010960"/>
           </a:xfrm>
           <a:prstGeom prst="rect">
             <a:avLst/>
